--- a/EARIN PROJECT.pptx
+++ b/EARIN PROJECT.pptx
@@ -12,6 +12,11 @@
     <p:sldId id="260" r:id="rId6"/>
     <p:sldId id="262" r:id="rId7"/>
     <p:sldId id="257" r:id="rId8"/>
+    <p:sldId id="264" r:id="rId9"/>
+    <p:sldId id="267" r:id="rId10"/>
+    <p:sldId id="263" r:id="rId11"/>
+    <p:sldId id="265" r:id="rId12"/>
+    <p:sldId id="266" r:id="rId13"/>
   </p:sldIdLst>
   <p:sldSz cx="12192000" cy="6858000"/>
   <p:notesSz cx="6858000" cy="9144000"/>
@@ -110,6 +115,11 @@
       </a:defRPr>
     </a:lvl9pPr>
   </p:defaultTextStyle>
+  <p:extLst>
+    <p:ext uri="{EFAFB233-063F-42B5-8137-9DF3F51BA10A}">
+      <p15:sldGuideLst xmlns:p15="http://schemas.microsoft.com/office/powerpoint/2012/main"/>
+    </p:ext>
+  </p:extLst>
 </p:presentation>
 </file>
 
@@ -276,7 +286,7 @@
           <a:p>
             <a:fld id="{AB0983B5-47B8-454C-8EF7-35A1D6389452}" type="datetimeFigureOut">
               <a:rPr lang="pl-PL" smtClean="0"/>
-              <a:t>07.05.2023</a:t>
+              <a:t>29.05.2023</a:t>
             </a:fld>
             <a:endParaRPr lang="pl-PL"/>
           </a:p>
@@ -446,7 +456,7 @@
           <a:p>
             <a:fld id="{AB0983B5-47B8-454C-8EF7-35A1D6389452}" type="datetimeFigureOut">
               <a:rPr lang="pl-PL" smtClean="0"/>
-              <a:t>07.05.2023</a:t>
+              <a:t>29.05.2023</a:t>
             </a:fld>
             <a:endParaRPr lang="pl-PL"/>
           </a:p>
@@ -626,7 +636,7 @@
           <a:p>
             <a:fld id="{AB0983B5-47B8-454C-8EF7-35A1D6389452}" type="datetimeFigureOut">
               <a:rPr lang="pl-PL" smtClean="0"/>
-              <a:t>07.05.2023</a:t>
+              <a:t>29.05.2023</a:t>
             </a:fld>
             <a:endParaRPr lang="pl-PL"/>
           </a:p>
@@ -796,7 +806,7 @@
           <a:p>
             <a:fld id="{AB0983B5-47B8-454C-8EF7-35A1D6389452}" type="datetimeFigureOut">
               <a:rPr lang="pl-PL" smtClean="0"/>
-              <a:t>07.05.2023</a:t>
+              <a:t>29.05.2023</a:t>
             </a:fld>
             <a:endParaRPr lang="pl-PL"/>
           </a:p>
@@ -1064,7 +1074,7 @@
           <a:p>
             <a:fld id="{AB0983B5-47B8-454C-8EF7-35A1D6389452}" type="datetimeFigureOut">
               <a:rPr lang="pl-PL" smtClean="0"/>
-              <a:t>07.05.2023</a:t>
+              <a:t>29.05.2023</a:t>
             </a:fld>
             <a:endParaRPr lang="pl-PL"/>
           </a:p>
@@ -1296,7 +1306,7 @@
           <a:p>
             <a:fld id="{AB0983B5-47B8-454C-8EF7-35A1D6389452}" type="datetimeFigureOut">
               <a:rPr lang="pl-PL" smtClean="0"/>
-              <a:t>07.05.2023</a:t>
+              <a:t>29.05.2023</a:t>
             </a:fld>
             <a:endParaRPr lang="pl-PL"/>
           </a:p>
@@ -1655,7 +1665,7 @@
           <a:p>
             <a:fld id="{AB0983B5-47B8-454C-8EF7-35A1D6389452}" type="datetimeFigureOut">
               <a:rPr lang="pl-PL" smtClean="0"/>
-              <a:t>07.05.2023</a:t>
+              <a:t>29.05.2023</a:t>
             </a:fld>
             <a:endParaRPr lang="pl-PL"/>
           </a:p>
@@ -1796,7 +1806,7 @@
           <a:p>
             <a:fld id="{AB0983B5-47B8-454C-8EF7-35A1D6389452}" type="datetimeFigureOut">
               <a:rPr lang="pl-PL" smtClean="0"/>
-              <a:t>07.05.2023</a:t>
+              <a:t>29.05.2023</a:t>
             </a:fld>
             <a:endParaRPr lang="pl-PL"/>
           </a:p>
@@ -1891,7 +1901,7 @@
           <a:p>
             <a:fld id="{AB0983B5-47B8-454C-8EF7-35A1D6389452}" type="datetimeFigureOut">
               <a:rPr lang="pl-PL" smtClean="0"/>
-              <a:t>07.05.2023</a:t>
+              <a:t>29.05.2023</a:t>
             </a:fld>
             <a:endParaRPr lang="pl-PL"/>
           </a:p>
@@ -2248,7 +2258,7 @@
           <a:p>
             <a:fld id="{AB0983B5-47B8-454C-8EF7-35A1D6389452}" type="datetimeFigureOut">
               <a:rPr lang="pl-PL" smtClean="0"/>
-              <a:t>07.05.2023</a:t>
+              <a:t>29.05.2023</a:t>
             </a:fld>
             <a:endParaRPr lang="pl-PL"/>
           </a:p>
@@ -2605,7 +2615,7 @@
           <a:p>
             <a:fld id="{AB0983B5-47B8-454C-8EF7-35A1D6389452}" type="datetimeFigureOut">
               <a:rPr lang="pl-PL" smtClean="0"/>
-              <a:t>07.05.2023</a:t>
+              <a:t>29.05.2023</a:t>
             </a:fld>
             <a:endParaRPr lang="pl-PL"/>
           </a:p>
@@ -2847,7 +2857,7 @@
           <a:p>
             <a:fld id="{AB0983B5-47B8-454C-8EF7-35A1D6389452}" type="datetimeFigureOut">
               <a:rPr lang="pl-PL" smtClean="0"/>
-              <a:t>07.05.2023</a:t>
+              <a:t>29.05.2023</a:t>
             </a:fld>
             <a:endParaRPr lang="pl-PL"/>
           </a:p>
@@ -3368,6 +3378,310 @@
 </p:sld>
 </file>
 
+<file path=ppt/slides/slide10.xml><?xml version="1.0" encoding="utf-8"?>
+<p:sld xmlns:a="http://schemas.openxmlformats.org/drawingml/2006/main" xmlns:r="http://schemas.openxmlformats.org/officeDocument/2006/relationships" xmlns:p="http://schemas.openxmlformats.org/presentationml/2006/main">
+  <p:cSld>
+    <p:spTree>
+      <p:nvGrpSpPr>
+        <p:cNvPr id="1" name=""/>
+        <p:cNvGrpSpPr/>
+        <p:nvPr/>
+      </p:nvGrpSpPr>
+      <p:grpSpPr>
+        <a:xfrm>
+          <a:off x="0" y="0"/>
+          <a:ext cx="0" cy="0"/>
+          <a:chOff x="0" y="0"/>
+          <a:chExt cx="0" cy="0"/>
+        </a:xfrm>
+      </p:grpSpPr>
+      <p:sp>
+        <p:nvSpPr>
+          <p:cNvPr id="2" name="Tytuł 1">
+            <a:extLst>
+              <a:ext uri="{FF2B5EF4-FFF2-40B4-BE49-F238E27FC236}">
+                <a16:creationId xmlns:a16="http://schemas.microsoft.com/office/drawing/2014/main" id="{277A4E89-46CD-6579-EA69-004F44C430F7}"/>
+              </a:ext>
+            </a:extLst>
+          </p:cNvPr>
+          <p:cNvSpPr>
+            <a:spLocks noGrp="1"/>
+          </p:cNvSpPr>
+          <p:nvPr>
+            <p:ph type="title"/>
+          </p:nvPr>
+        </p:nvSpPr>
+        <p:spPr/>
+        <p:txBody>
+          <a:bodyPr/>
+          <a:lstStyle/>
+          <a:p>
+            <a:r>
+              <a:rPr lang="pl-PL" dirty="0"/>
+              <a:t>XGBRFC</a:t>
+            </a:r>
+            <a:endParaRPr lang="en-GB" dirty="0"/>
+          </a:p>
+        </p:txBody>
+      </p:sp>
+      <p:sp>
+        <p:nvSpPr>
+          <p:cNvPr id="3" name="Symbol zastępczy zawartości 2">
+            <a:extLst>
+              <a:ext uri="{FF2B5EF4-FFF2-40B4-BE49-F238E27FC236}">
+                <a16:creationId xmlns:a16="http://schemas.microsoft.com/office/drawing/2014/main" id="{A85F4DB8-CFBB-D1CB-7C02-019D0B0485B0}"/>
+              </a:ext>
+            </a:extLst>
+          </p:cNvPr>
+          <p:cNvSpPr>
+            <a:spLocks noGrp="1"/>
+          </p:cNvSpPr>
+          <p:nvPr>
+            <p:ph idx="1"/>
+          </p:nvPr>
+        </p:nvSpPr>
+        <p:spPr/>
+        <p:txBody>
+          <a:bodyPr/>
+          <a:lstStyle/>
+          <a:p>
+            <a:endParaRPr lang="en-GB" dirty="0"/>
+          </a:p>
+        </p:txBody>
+      </p:sp>
+      <p:pic>
+        <p:nvPicPr>
+          <p:cNvPr id="7" name="Obraz 6">
+            <a:extLst>
+              <a:ext uri="{FF2B5EF4-FFF2-40B4-BE49-F238E27FC236}">
+                <a16:creationId xmlns:a16="http://schemas.microsoft.com/office/drawing/2014/main" id="{BE9F7191-0E31-E184-962B-84076D4E8F35}"/>
+              </a:ext>
+            </a:extLst>
+          </p:cNvPr>
+          <p:cNvPicPr>
+            <a:picLocks noChangeAspect="1"/>
+          </p:cNvPicPr>
+          <p:nvPr/>
+        </p:nvPicPr>
+        <p:blipFill>
+          <a:blip r:embed="rId2"/>
+          <a:stretch>
+            <a:fillRect/>
+          </a:stretch>
+        </p:blipFill>
+        <p:spPr>
+          <a:xfrm>
+            <a:off x="2231136" y="2320780"/>
+            <a:ext cx="7972425" cy="1524000"/>
+          </a:xfrm>
+          <a:prstGeom prst="rect">
+            <a:avLst/>
+          </a:prstGeom>
+        </p:spPr>
+      </p:pic>
+    </p:spTree>
+    <p:extLst>
+      <p:ext uri="{BB962C8B-B14F-4D97-AF65-F5344CB8AC3E}">
+        <p14:creationId xmlns:p14="http://schemas.microsoft.com/office/powerpoint/2010/main" val="3115780046"/>
+      </p:ext>
+    </p:extLst>
+  </p:cSld>
+  <p:clrMapOvr>
+    <a:masterClrMapping/>
+  </p:clrMapOvr>
+</p:sld>
+</file>
+
+<file path=ppt/slides/slide11.xml><?xml version="1.0" encoding="utf-8"?>
+<p:sld xmlns:a="http://schemas.openxmlformats.org/drawingml/2006/main" xmlns:r="http://schemas.openxmlformats.org/officeDocument/2006/relationships" xmlns:p="http://schemas.openxmlformats.org/presentationml/2006/main">
+  <p:cSld>
+    <p:spTree>
+      <p:nvGrpSpPr>
+        <p:cNvPr id="1" name=""/>
+        <p:cNvGrpSpPr/>
+        <p:nvPr/>
+      </p:nvGrpSpPr>
+      <p:grpSpPr>
+        <a:xfrm>
+          <a:off x="0" y="0"/>
+          <a:ext cx="0" cy="0"/>
+          <a:chOff x="0" y="0"/>
+          <a:chExt cx="0" cy="0"/>
+        </a:xfrm>
+      </p:grpSpPr>
+      <p:sp>
+        <p:nvSpPr>
+          <p:cNvPr id="2" name="Tytuł 1">
+            <a:extLst>
+              <a:ext uri="{FF2B5EF4-FFF2-40B4-BE49-F238E27FC236}">
+                <a16:creationId xmlns:a16="http://schemas.microsoft.com/office/drawing/2014/main" id="{40378259-A928-18A0-EC00-F9CFE6A745B9}"/>
+              </a:ext>
+            </a:extLst>
+          </p:cNvPr>
+          <p:cNvSpPr>
+            <a:spLocks noGrp="1"/>
+          </p:cNvSpPr>
+          <p:nvPr>
+            <p:ph type="title"/>
+          </p:nvPr>
+        </p:nvSpPr>
+        <p:spPr/>
+        <p:txBody>
+          <a:bodyPr/>
+          <a:lstStyle/>
+          <a:p>
+            <a:endParaRPr lang="en-GB"/>
+          </a:p>
+        </p:txBody>
+      </p:sp>
+      <p:sp>
+        <p:nvSpPr>
+          <p:cNvPr id="3" name="Symbol zastępczy zawartości 2">
+            <a:extLst>
+              <a:ext uri="{FF2B5EF4-FFF2-40B4-BE49-F238E27FC236}">
+                <a16:creationId xmlns:a16="http://schemas.microsoft.com/office/drawing/2014/main" id="{C72A7163-AB53-9A2E-DEDB-F1B6DE8EC362}"/>
+              </a:ext>
+            </a:extLst>
+          </p:cNvPr>
+          <p:cNvSpPr>
+            <a:spLocks noGrp="1"/>
+          </p:cNvSpPr>
+          <p:nvPr>
+            <p:ph idx="1"/>
+          </p:nvPr>
+        </p:nvSpPr>
+        <p:spPr/>
+        <p:txBody>
+          <a:bodyPr/>
+          <a:lstStyle/>
+          <a:p>
+            <a:endParaRPr lang="en-GB"/>
+          </a:p>
+        </p:txBody>
+      </p:sp>
+      <p:pic>
+        <p:nvPicPr>
+          <p:cNvPr id="7" name="Obraz 6">
+            <a:extLst>
+              <a:ext uri="{FF2B5EF4-FFF2-40B4-BE49-F238E27FC236}">
+                <a16:creationId xmlns:a16="http://schemas.microsoft.com/office/drawing/2014/main" id="{26B4E112-3439-F56A-87B1-3A24766B3220}"/>
+              </a:ext>
+            </a:extLst>
+          </p:cNvPr>
+          <p:cNvPicPr>
+            <a:picLocks noChangeAspect="1"/>
+          </p:cNvPicPr>
+          <p:nvPr/>
+        </p:nvPicPr>
+        <p:blipFill>
+          <a:blip r:embed="rId2"/>
+          <a:stretch>
+            <a:fillRect/>
+          </a:stretch>
+        </p:blipFill>
+        <p:spPr>
+          <a:xfrm>
+            <a:off x="1378424" y="179874"/>
+            <a:ext cx="9034559" cy="6498252"/>
+          </a:xfrm>
+          <a:prstGeom prst="rect">
+            <a:avLst/>
+          </a:prstGeom>
+        </p:spPr>
+      </p:pic>
+    </p:spTree>
+    <p:extLst>
+      <p:ext uri="{BB962C8B-B14F-4D97-AF65-F5344CB8AC3E}">
+        <p14:creationId xmlns:p14="http://schemas.microsoft.com/office/powerpoint/2010/main" val="3837614816"/>
+      </p:ext>
+    </p:extLst>
+  </p:cSld>
+  <p:clrMapOvr>
+    <a:masterClrMapping/>
+  </p:clrMapOvr>
+</p:sld>
+</file>
+
+<file path=ppt/slides/slide12.xml><?xml version="1.0" encoding="utf-8"?>
+<p:sld xmlns:a="http://schemas.openxmlformats.org/drawingml/2006/main" xmlns:r="http://schemas.openxmlformats.org/officeDocument/2006/relationships" xmlns:p="http://schemas.openxmlformats.org/presentationml/2006/main">
+  <p:cSld>
+    <p:spTree>
+      <p:nvGrpSpPr>
+        <p:cNvPr id="1" name=""/>
+        <p:cNvGrpSpPr/>
+        <p:nvPr/>
+      </p:nvGrpSpPr>
+      <p:grpSpPr>
+        <a:xfrm>
+          <a:off x="0" y="0"/>
+          <a:ext cx="0" cy="0"/>
+          <a:chOff x="0" y="0"/>
+          <a:chExt cx="0" cy="0"/>
+        </a:xfrm>
+      </p:grpSpPr>
+      <p:sp>
+        <p:nvSpPr>
+          <p:cNvPr id="2" name="Tytuł 1">
+            <a:extLst>
+              <a:ext uri="{FF2B5EF4-FFF2-40B4-BE49-F238E27FC236}">
+                <a16:creationId xmlns:a16="http://schemas.microsoft.com/office/drawing/2014/main" id="{E1C44BDB-5BA3-D905-8B91-9793DBA03926}"/>
+              </a:ext>
+            </a:extLst>
+          </p:cNvPr>
+          <p:cNvSpPr>
+            <a:spLocks noGrp="1"/>
+          </p:cNvSpPr>
+          <p:nvPr>
+            <p:ph type="title"/>
+          </p:nvPr>
+        </p:nvSpPr>
+        <p:spPr/>
+        <p:txBody>
+          <a:bodyPr/>
+          <a:lstStyle/>
+          <a:p>
+            <a:endParaRPr lang="en-GB" dirty="0"/>
+          </a:p>
+        </p:txBody>
+      </p:sp>
+      <p:sp>
+        <p:nvSpPr>
+          <p:cNvPr id="3" name="Symbol zastępczy zawartości 2">
+            <a:extLst>
+              <a:ext uri="{FF2B5EF4-FFF2-40B4-BE49-F238E27FC236}">
+                <a16:creationId xmlns:a16="http://schemas.microsoft.com/office/drawing/2014/main" id="{10D446EB-6683-4778-23A8-D69BBAF5A93C}"/>
+              </a:ext>
+            </a:extLst>
+          </p:cNvPr>
+          <p:cNvSpPr>
+            <a:spLocks noGrp="1"/>
+          </p:cNvSpPr>
+          <p:nvPr>
+            <p:ph idx="1"/>
+          </p:nvPr>
+        </p:nvSpPr>
+        <p:spPr/>
+        <p:txBody>
+          <a:bodyPr/>
+          <a:lstStyle/>
+          <a:p>
+            <a:endParaRPr lang="en-GB"/>
+          </a:p>
+        </p:txBody>
+      </p:sp>
+    </p:spTree>
+    <p:extLst>
+      <p:ext uri="{BB962C8B-B14F-4D97-AF65-F5344CB8AC3E}">
+        <p14:creationId xmlns:p14="http://schemas.microsoft.com/office/powerpoint/2010/main" val="3343069439"/>
+      </p:ext>
+    </p:extLst>
+  </p:cSld>
+  <p:clrMapOvr>
+    <a:masterClrMapping/>
+  </p:clrMapOvr>
+</p:sld>
+</file>
+
 <file path=ppt/slides/slide2.xml><?xml version="1.0" encoding="utf-8"?>
 <p:sld xmlns:a="http://schemas.openxmlformats.org/drawingml/2006/main" xmlns:r="http://schemas.openxmlformats.org/officeDocument/2006/relationships" xmlns:p="http://schemas.openxmlformats.org/presentationml/2006/main">
   <p:cSld>
@@ -4925,6 +5239,1046 @@
     <p:extLst>
       <p:ext uri="{BB962C8B-B14F-4D97-AF65-F5344CB8AC3E}">
         <p14:creationId xmlns:p14="http://schemas.microsoft.com/office/powerpoint/2010/main" val="808304163"/>
+      </p:ext>
+    </p:extLst>
+  </p:cSld>
+  <p:clrMapOvr>
+    <a:masterClrMapping/>
+  </p:clrMapOvr>
+</p:sld>
+</file>
+
+<file path=ppt/slides/slide8.xml><?xml version="1.0" encoding="utf-8"?>
+<p:sld xmlns:a="http://schemas.openxmlformats.org/drawingml/2006/main" xmlns:r="http://schemas.openxmlformats.org/officeDocument/2006/relationships" xmlns:p="http://schemas.openxmlformats.org/presentationml/2006/main">
+  <p:cSld>
+    <p:spTree>
+      <p:nvGrpSpPr>
+        <p:cNvPr id="1" name=""/>
+        <p:cNvGrpSpPr/>
+        <p:nvPr/>
+      </p:nvGrpSpPr>
+      <p:grpSpPr>
+        <a:xfrm>
+          <a:off x="0" y="0"/>
+          <a:ext cx="0" cy="0"/>
+          <a:chOff x="0" y="0"/>
+          <a:chExt cx="0" cy="0"/>
+        </a:xfrm>
+      </p:grpSpPr>
+      <p:sp>
+        <p:nvSpPr>
+          <p:cNvPr id="2" name="Tytuł 1">
+            <a:extLst>
+              <a:ext uri="{FF2B5EF4-FFF2-40B4-BE49-F238E27FC236}">
+                <a16:creationId xmlns:a16="http://schemas.microsoft.com/office/drawing/2014/main" id="{0F1B1803-E5CA-C7B1-A15A-50E6949BC41B}"/>
+              </a:ext>
+            </a:extLst>
+          </p:cNvPr>
+          <p:cNvSpPr>
+            <a:spLocks noGrp="1"/>
+          </p:cNvSpPr>
+          <p:nvPr>
+            <p:ph type="title"/>
+          </p:nvPr>
+        </p:nvSpPr>
+        <p:spPr/>
+        <p:txBody>
+          <a:bodyPr/>
+          <a:lstStyle/>
+          <a:p>
+            <a:r>
+              <a:rPr lang="pl-PL" dirty="0" err="1"/>
+              <a:t>Reasarch</a:t>
+            </a:r>
+            <a:r>
+              <a:rPr lang="pl-PL" dirty="0"/>
+              <a:t> </a:t>
+            </a:r>
+            <a:r>
+              <a:rPr lang="pl-PL" dirty="0" err="1"/>
+              <a:t>GoaL</a:t>
+            </a:r>
+            <a:endParaRPr lang="en-GB" dirty="0"/>
+          </a:p>
+        </p:txBody>
+      </p:sp>
+      <p:sp>
+        <p:nvSpPr>
+          <p:cNvPr id="3" name="Symbol zastępczy zawartości 2">
+            <a:extLst>
+              <a:ext uri="{FF2B5EF4-FFF2-40B4-BE49-F238E27FC236}">
+                <a16:creationId xmlns:a16="http://schemas.microsoft.com/office/drawing/2014/main" id="{98E0B6A7-F7CD-FAE6-CBD6-EDF18373154C}"/>
+              </a:ext>
+            </a:extLst>
+          </p:cNvPr>
+          <p:cNvSpPr>
+            <a:spLocks noGrp="1"/>
+          </p:cNvSpPr>
+          <p:nvPr>
+            <p:ph idx="1"/>
+          </p:nvPr>
+        </p:nvSpPr>
+        <p:spPr/>
+        <p:txBody>
+          <a:bodyPr/>
+          <a:lstStyle/>
+          <a:p>
+            <a:r>
+              <a:rPr lang="pl-PL" dirty="0"/>
+              <a:t>To </a:t>
+            </a:r>
+            <a:r>
+              <a:rPr lang="pl-PL" dirty="0" err="1"/>
+              <a:t>messure</a:t>
+            </a:r>
+            <a:r>
+              <a:rPr lang="pl-PL" dirty="0"/>
+              <a:t> </a:t>
+            </a:r>
+            <a:r>
+              <a:rPr lang="pl-PL" dirty="0" err="1"/>
+              <a:t>how</a:t>
+            </a:r>
+            <a:r>
+              <a:rPr lang="pl-PL" dirty="0"/>
+              <a:t> </a:t>
+            </a:r>
+            <a:r>
+              <a:rPr lang="pl-PL" dirty="0" err="1"/>
+              <a:t>diffrent</a:t>
+            </a:r>
+            <a:r>
+              <a:rPr lang="pl-PL" dirty="0"/>
+              <a:t> </a:t>
+            </a:r>
+            <a:r>
+              <a:rPr lang="pl-PL" dirty="0" err="1"/>
+              <a:t>models</a:t>
+            </a:r>
+            <a:r>
+              <a:rPr lang="pl-PL" dirty="0"/>
+              <a:t> </a:t>
+            </a:r>
+            <a:r>
+              <a:rPr lang="pl-PL" dirty="0" err="1"/>
+              <a:t>react</a:t>
+            </a:r>
+            <a:r>
+              <a:rPr lang="pl-PL" dirty="0"/>
+              <a:t> to </a:t>
+            </a:r>
+            <a:r>
+              <a:rPr lang="pl-PL" dirty="0" err="1"/>
+              <a:t>diffrent</a:t>
+            </a:r>
+            <a:r>
+              <a:rPr lang="pl-PL" dirty="0"/>
+              <a:t> numer of the data</a:t>
+            </a:r>
+          </a:p>
+          <a:p>
+            <a:r>
+              <a:rPr lang="pl-PL" dirty="0" err="1"/>
+              <a:t>Models</a:t>
+            </a:r>
+            <a:r>
+              <a:rPr lang="pl-PL" dirty="0"/>
+              <a:t> to be </a:t>
+            </a:r>
+            <a:r>
+              <a:rPr lang="pl-PL" dirty="0" err="1"/>
+              <a:t>used</a:t>
+            </a:r>
+            <a:r>
+              <a:rPr lang="pl-PL" dirty="0"/>
+              <a:t>: XTBFRC </a:t>
+            </a:r>
+          </a:p>
+          <a:p>
+            <a:r>
+              <a:rPr lang="pl-PL" dirty="0"/>
+              <a:t>Model </a:t>
+            </a:r>
+            <a:r>
+              <a:rPr lang="pl-PL" dirty="0" err="1"/>
+              <a:t>based</a:t>
+            </a:r>
+            <a:r>
+              <a:rPr lang="pl-PL" dirty="0"/>
+              <a:t> on </a:t>
+            </a:r>
+            <a:r>
+              <a:rPr lang="pl-PL" dirty="0" err="1"/>
+              <a:t>nn</a:t>
+            </a:r>
+            <a:r>
+              <a:rPr lang="pl-PL" dirty="0"/>
+              <a:t> </a:t>
+            </a:r>
+          </a:p>
+          <a:p>
+            <a:r>
+              <a:rPr lang="pl-PL" dirty="0"/>
+              <a:t>Model </a:t>
+            </a:r>
+            <a:r>
+              <a:rPr lang="pl-PL" dirty="0" err="1"/>
+              <a:t>bassed</a:t>
+            </a:r>
+            <a:r>
+              <a:rPr lang="pl-PL" dirty="0"/>
+              <a:t> on </a:t>
+            </a:r>
+            <a:r>
+              <a:rPr lang="pl-PL" dirty="0" err="1"/>
+              <a:t>nn</a:t>
+            </a:r>
+            <a:r>
+              <a:rPr lang="pl-PL" dirty="0"/>
+              <a:t> but </a:t>
+            </a:r>
+            <a:r>
+              <a:rPr lang="pl-PL" dirty="0" err="1"/>
+              <a:t>table</a:t>
+            </a:r>
+            <a:r>
+              <a:rPr lang="pl-PL" dirty="0"/>
+              <a:t> </a:t>
+            </a:r>
+            <a:r>
+              <a:rPr lang="pl-PL" dirty="0" err="1"/>
+              <a:t>is</a:t>
+            </a:r>
+            <a:r>
+              <a:rPr lang="pl-PL" dirty="0"/>
+              <a:t>  </a:t>
+            </a:r>
+            <a:r>
+              <a:rPr lang="pl-PL" dirty="0" err="1"/>
+              <a:t>created</a:t>
+            </a:r>
+            <a:r>
+              <a:rPr lang="pl-PL" dirty="0"/>
+              <a:t> to image </a:t>
+            </a:r>
+            <a:r>
+              <a:rPr lang="pl-PL" dirty="0" err="1"/>
+              <a:t>using</a:t>
+            </a:r>
+            <a:r>
+              <a:rPr lang="pl-PL" dirty="0"/>
+              <a:t> IGTD </a:t>
+            </a:r>
+            <a:r>
+              <a:rPr lang="pl-PL" dirty="0" err="1"/>
+              <a:t>algorithm</a:t>
+            </a:r>
+            <a:endParaRPr lang="en-GB" dirty="0"/>
+          </a:p>
+        </p:txBody>
+      </p:sp>
+    </p:spTree>
+    <p:extLst>
+      <p:ext uri="{BB962C8B-B14F-4D97-AF65-F5344CB8AC3E}">
+        <p14:creationId xmlns:p14="http://schemas.microsoft.com/office/powerpoint/2010/main" val="3808295024"/>
+      </p:ext>
+    </p:extLst>
+  </p:cSld>
+  <p:clrMapOvr>
+    <a:masterClrMapping/>
+  </p:clrMapOvr>
+</p:sld>
+</file>
+
+<file path=ppt/slides/slide9.xml><?xml version="1.0" encoding="utf-8"?>
+<p:sld xmlns:a="http://schemas.openxmlformats.org/drawingml/2006/main" xmlns:r="http://schemas.openxmlformats.org/officeDocument/2006/relationships" xmlns:p="http://schemas.openxmlformats.org/presentationml/2006/main">
+  <p:cSld>
+    <p:bg>
+      <p:bgPr>
+        <a:solidFill>
+          <a:schemeClr val="bg1">
+            <a:lumMod val="95000"/>
+          </a:schemeClr>
+        </a:solidFill>
+        <a:effectLst/>
+      </p:bgPr>
+    </p:bg>
+    <p:spTree>
+      <p:nvGrpSpPr>
+        <p:cNvPr id="1" name=""/>
+        <p:cNvGrpSpPr/>
+        <p:nvPr/>
+      </p:nvGrpSpPr>
+      <p:grpSpPr>
+        <a:xfrm>
+          <a:off x="0" y="0"/>
+          <a:ext cx="0" cy="0"/>
+          <a:chOff x="0" y="0"/>
+          <a:chExt cx="0" cy="0"/>
+        </a:xfrm>
+      </p:grpSpPr>
+      <p:sp useBgFill="1">
+        <p:nvSpPr>
+          <p:cNvPr id="9" name="Rectangle 8">
+            <a:extLst>
+              <a:ext uri="{FF2B5EF4-FFF2-40B4-BE49-F238E27FC236}">
+                <a16:creationId xmlns:a16="http://schemas.microsoft.com/office/drawing/2014/main" id="{1660E788-AFA9-4A1B-9991-6AA74632A15B}"/>
+              </a:ext>
+              <a:ext uri="{C183D7F6-B498-43B3-948B-1728B52AA6E4}">
+                <adec:decorative xmlns:adec="http://schemas.microsoft.com/office/drawing/2017/decorative" val="1"/>
+              </a:ext>
+            </a:extLst>
+          </p:cNvPr>
+          <p:cNvSpPr>
+            <a:spLocks noGrp="1" noRot="1" noChangeAspect="1" noMove="1" noResize="1" noEditPoints="1" noAdjustHandles="1" noChangeArrowheads="1" noChangeShapeType="1" noTextEdit="1"/>
+          </p:cNvSpPr>
+          <p:nvPr>
+            <p:extLst>
+              <p:ext uri="{386F3935-93C4-4BCD-93E2-E3B085C9AB24}">
+                <p16:designElem xmlns:p16="http://schemas.microsoft.com/office/powerpoint/2015/main" val="1"/>
+              </p:ext>
+            </p:extLst>
+          </p:nvPr>
+        </p:nvSpPr>
+        <p:spPr>
+          <a:xfrm>
+            <a:off x="0" y="0"/>
+            <a:ext cx="12191999" cy="6858000"/>
+          </a:xfrm>
+          <a:prstGeom prst="rect">
+            <a:avLst/>
+          </a:prstGeom>
+          <a:ln>
+            <a:noFill/>
+          </a:ln>
+        </p:spPr>
+        <p:style>
+          <a:lnRef idx="2">
+            <a:schemeClr val="accent1">
+              <a:shade val="50000"/>
+            </a:schemeClr>
+          </a:lnRef>
+          <a:fillRef idx="1">
+            <a:schemeClr val="accent1"/>
+          </a:fillRef>
+          <a:effectRef idx="0">
+            <a:schemeClr val="accent1"/>
+          </a:effectRef>
+          <a:fontRef idx="minor">
+            <a:schemeClr val="lt1"/>
+          </a:fontRef>
+        </p:style>
+        <p:txBody>
+          <a:bodyPr rtlCol="0" anchor="ctr"/>
+          <a:lstStyle/>
+          <a:p>
+            <a:pPr algn="ctr"/>
+            <a:endParaRPr lang="en-US"/>
+          </a:p>
+        </p:txBody>
+      </p:sp>
+      <p:pic>
+        <p:nvPicPr>
+          <p:cNvPr id="5" name="Picture 4" descr="Computer script on a screen">
+            <a:extLst>
+              <a:ext uri="{FF2B5EF4-FFF2-40B4-BE49-F238E27FC236}">
+                <a16:creationId xmlns:a16="http://schemas.microsoft.com/office/drawing/2014/main" id="{518B1C7E-1D44-FC9C-8D0D-B11BD34431B9}"/>
+              </a:ext>
+            </a:extLst>
+          </p:cNvPr>
+          <p:cNvPicPr>
+            <a:picLocks noChangeAspect="1"/>
+          </p:cNvPicPr>
+          <p:nvPr/>
+        </p:nvPicPr>
+        <p:blipFill rotWithShape="1">
+          <a:blip r:embed="rId2"/>
+          <a:srcRect r="26600" b="-1"/>
+          <a:stretch/>
+        </p:blipFill>
+        <p:spPr>
+          <a:xfrm>
+            <a:off x="4650909" y="10"/>
+            <a:ext cx="7541090" cy="6857989"/>
+          </a:xfrm>
+          <a:prstGeom prst="rect">
+            <a:avLst/>
+          </a:prstGeom>
+        </p:spPr>
+      </p:pic>
+      <p:sp>
+        <p:nvSpPr>
+          <p:cNvPr id="11" name="Rectangle 10">
+            <a:extLst>
+              <a:ext uri="{FF2B5EF4-FFF2-40B4-BE49-F238E27FC236}">
+                <a16:creationId xmlns:a16="http://schemas.microsoft.com/office/drawing/2014/main" id="{867D4867-5BA7-4462-B2F6-A23F4A622AA7}"/>
+              </a:ext>
+              <a:ext uri="{C183D7F6-B498-43B3-948B-1728B52AA6E4}">
+                <adec:decorative xmlns:adec="http://schemas.microsoft.com/office/drawing/2017/decorative" val="1"/>
+              </a:ext>
+            </a:extLst>
+          </p:cNvPr>
+          <p:cNvSpPr>
+            <a:spLocks noGrp="1" noRot="1" noChangeAspect="1" noMove="1" noResize="1" noEditPoints="1" noAdjustHandles="1" noChangeArrowheads="1" noChangeShapeType="1" noTextEdit="1"/>
+          </p:cNvSpPr>
+          <p:nvPr>
+            <p:extLst>
+              <p:ext uri="{386F3935-93C4-4BCD-93E2-E3B085C9AB24}">
+                <p16:designElem xmlns:p16="http://schemas.microsoft.com/office/powerpoint/2015/main" val="1"/>
+              </p:ext>
+            </p:extLst>
+          </p:nvPr>
+        </p:nvSpPr>
+        <p:spPr>
+          <a:xfrm>
+            <a:off x="0" y="0"/>
+            <a:ext cx="4654296" cy="6858000"/>
+          </a:xfrm>
+          <a:prstGeom prst="rect">
+            <a:avLst/>
+          </a:prstGeom>
+          <a:solidFill>
+            <a:schemeClr val="tx2"/>
+          </a:solidFill>
+          <a:ln>
+            <a:noFill/>
+          </a:ln>
+        </p:spPr>
+        <p:style>
+          <a:lnRef idx="0">
+            <a:scrgbClr r="0" g="0" b="0"/>
+          </a:lnRef>
+          <a:fillRef idx="0">
+            <a:scrgbClr r="0" g="0" b="0"/>
+          </a:fillRef>
+          <a:effectRef idx="0">
+            <a:scrgbClr r="0" g="0" b="0"/>
+          </a:effectRef>
+          <a:fontRef idx="minor">
+            <a:schemeClr val="lt1"/>
+          </a:fontRef>
+        </p:style>
+        <p:txBody>
+          <a:bodyPr rtlCol="0" anchor="ctr"/>
+          <a:lstStyle/>
+          <a:p>
+            <a:pPr algn="ctr"/>
+            <a:endParaRPr lang="en-US"/>
+          </a:p>
+        </p:txBody>
+      </p:sp>
+      <p:sp>
+        <p:nvSpPr>
+          <p:cNvPr id="2" name="Tytuł 1">
+            <a:extLst>
+              <a:ext uri="{FF2B5EF4-FFF2-40B4-BE49-F238E27FC236}">
+                <a16:creationId xmlns:a16="http://schemas.microsoft.com/office/drawing/2014/main" id="{9AAC0425-D30A-449B-EACA-40E4E1AE12A0}"/>
+              </a:ext>
+            </a:extLst>
+          </p:cNvPr>
+          <p:cNvSpPr>
+            <a:spLocks noGrp="1"/>
+          </p:cNvSpPr>
+          <p:nvPr>
+            <p:ph type="title"/>
+          </p:nvPr>
+        </p:nvSpPr>
+        <p:spPr>
+          <a:xfrm>
+            <a:off x="643467" y="643467"/>
+            <a:ext cx="3363974" cy="1728044"/>
+          </a:xfrm>
+          <a:noFill/>
+          <a:ln>
+            <a:solidFill>
+              <a:schemeClr val="bg1"/>
+            </a:solidFill>
+          </a:ln>
+        </p:spPr>
+        <p:txBody>
+          <a:bodyPr wrap="square">
+            <a:normAutofit/>
+          </a:bodyPr>
+          <a:lstStyle/>
+          <a:p>
+            <a:r>
+              <a:rPr lang="pl-PL" sz="3600" dirty="0" err="1">
+                <a:solidFill>
+                  <a:schemeClr val="bg1"/>
+                </a:solidFill>
+              </a:rPr>
+              <a:t>Code</a:t>
+            </a:r>
+            <a:br>
+              <a:rPr lang="pl-PL" sz="1400" dirty="0">
+                <a:solidFill>
+                  <a:schemeClr val="bg1"/>
+                </a:solidFill>
+              </a:rPr>
+            </a:br>
+            <a:r>
+              <a:rPr lang="pl-PL" sz="1200" dirty="0">
+                <a:solidFill>
+                  <a:schemeClr val="bg1"/>
+                </a:solidFill>
+              </a:rPr>
+              <a:t>https://github.com/MaciejZajkowski/EARIN-PROJ</a:t>
+            </a:r>
+            <a:endParaRPr lang="en-GB" sz="1200" dirty="0">
+              <a:solidFill>
+                <a:schemeClr val="bg1"/>
+              </a:solidFill>
+            </a:endParaRPr>
+          </a:p>
+        </p:txBody>
+      </p:sp>
+      <p:sp>
+        <p:nvSpPr>
+          <p:cNvPr id="3" name="Symbol zastępczy zawartości 2">
+            <a:extLst>
+              <a:ext uri="{FF2B5EF4-FFF2-40B4-BE49-F238E27FC236}">
+                <a16:creationId xmlns:a16="http://schemas.microsoft.com/office/drawing/2014/main" id="{B80064E1-1B3A-6464-607A-57A5E3510AB3}"/>
+              </a:ext>
+            </a:extLst>
+          </p:cNvPr>
+          <p:cNvSpPr>
+            <a:spLocks noGrp="1"/>
+          </p:cNvSpPr>
+          <p:nvPr>
+            <p:ph idx="1"/>
+          </p:nvPr>
+        </p:nvSpPr>
+        <p:spPr>
+          <a:xfrm>
+            <a:off x="643468" y="2638044"/>
+            <a:ext cx="3363974" cy="3415622"/>
+          </a:xfrm>
+        </p:spPr>
+        <p:txBody>
+          <a:bodyPr>
+            <a:normAutofit fontScale="92500" lnSpcReduction="10000"/>
+          </a:bodyPr>
+          <a:lstStyle/>
+          <a:p>
+            <a:r>
+              <a:rPr lang="pl-PL" dirty="0" err="1">
+                <a:solidFill>
+                  <a:schemeClr val="bg1"/>
+                </a:solidFill>
+              </a:rPr>
+              <a:t>What</a:t>
+            </a:r>
+            <a:r>
+              <a:rPr lang="pl-PL" dirty="0">
+                <a:solidFill>
+                  <a:schemeClr val="bg1"/>
+                </a:solidFill>
+              </a:rPr>
+              <a:t> </a:t>
+            </a:r>
+            <a:r>
+              <a:rPr lang="pl-PL" dirty="0" err="1">
+                <a:solidFill>
+                  <a:schemeClr val="bg1"/>
+                </a:solidFill>
+              </a:rPr>
+              <a:t>has</a:t>
+            </a:r>
+            <a:r>
+              <a:rPr lang="pl-PL" dirty="0">
+                <a:solidFill>
+                  <a:schemeClr val="bg1"/>
+                </a:solidFill>
+              </a:rPr>
+              <a:t> </a:t>
+            </a:r>
+            <a:r>
+              <a:rPr lang="pl-PL" dirty="0" err="1">
+                <a:solidFill>
+                  <a:schemeClr val="bg1"/>
+                </a:solidFill>
+              </a:rPr>
+              <a:t>been</a:t>
+            </a:r>
+            <a:r>
+              <a:rPr lang="pl-PL" dirty="0">
+                <a:solidFill>
+                  <a:schemeClr val="bg1"/>
+                </a:solidFill>
+              </a:rPr>
+              <a:t> </a:t>
+            </a:r>
+            <a:r>
+              <a:rPr lang="pl-PL" dirty="0" err="1">
+                <a:solidFill>
+                  <a:schemeClr val="bg1"/>
+                </a:solidFill>
+              </a:rPr>
+              <a:t>done</a:t>
+            </a:r>
+            <a:r>
+              <a:rPr lang="pl-PL" dirty="0">
+                <a:solidFill>
+                  <a:schemeClr val="bg1"/>
+                </a:solidFill>
+              </a:rPr>
+              <a:t>: </a:t>
+            </a:r>
+          </a:p>
+          <a:p>
+            <a:pPr lvl="2"/>
+            <a:r>
+              <a:rPr lang="pl-PL" dirty="0" err="1">
+                <a:solidFill>
+                  <a:schemeClr val="bg1"/>
+                </a:solidFill>
+              </a:rPr>
+              <a:t>training</a:t>
+            </a:r>
+            <a:r>
+              <a:rPr lang="pl-PL" dirty="0">
+                <a:solidFill>
+                  <a:schemeClr val="bg1"/>
+                </a:solidFill>
+              </a:rPr>
+              <a:t> for XGBRFC</a:t>
+            </a:r>
+          </a:p>
+          <a:p>
+            <a:pPr lvl="2"/>
+            <a:r>
+              <a:rPr lang="pl-PL" dirty="0" err="1">
+                <a:solidFill>
+                  <a:schemeClr val="bg1"/>
+                </a:solidFill>
+              </a:rPr>
+              <a:t>Function</a:t>
+            </a:r>
+            <a:r>
+              <a:rPr lang="pl-PL" dirty="0">
+                <a:solidFill>
+                  <a:schemeClr val="bg1"/>
+                </a:solidFill>
+              </a:rPr>
+              <a:t> for </a:t>
+            </a:r>
+            <a:r>
+              <a:rPr lang="pl-PL" dirty="0" err="1">
+                <a:solidFill>
+                  <a:schemeClr val="bg1"/>
+                </a:solidFill>
+              </a:rPr>
+              <a:t>preprocessing</a:t>
+            </a:r>
+            <a:r>
+              <a:rPr lang="pl-PL" dirty="0">
+                <a:solidFill>
+                  <a:schemeClr val="bg1"/>
+                </a:solidFill>
+              </a:rPr>
+              <a:t> and </a:t>
+            </a:r>
+            <a:r>
+              <a:rPr lang="pl-PL" dirty="0" err="1">
+                <a:solidFill>
+                  <a:schemeClr val="bg1"/>
+                </a:solidFill>
+              </a:rPr>
+              <a:t>loading</a:t>
+            </a:r>
+            <a:r>
+              <a:rPr lang="pl-PL" dirty="0">
+                <a:solidFill>
+                  <a:schemeClr val="bg1"/>
+                </a:solidFill>
+              </a:rPr>
+              <a:t> data</a:t>
+            </a:r>
+          </a:p>
+          <a:p>
+            <a:pPr lvl="2"/>
+            <a:r>
+              <a:rPr lang="pl-PL" dirty="0">
+                <a:solidFill>
+                  <a:schemeClr val="bg1"/>
+                </a:solidFill>
+              </a:rPr>
+              <a:t>First image </a:t>
+            </a:r>
+            <a:r>
+              <a:rPr lang="pl-PL" dirty="0" err="1">
+                <a:solidFill>
+                  <a:schemeClr val="bg1"/>
+                </a:solidFill>
+              </a:rPr>
+              <a:t>creation</a:t>
+            </a:r>
+            <a:r>
+              <a:rPr lang="pl-PL" dirty="0">
+                <a:solidFill>
+                  <a:schemeClr val="bg1"/>
+                </a:solidFill>
+              </a:rPr>
+              <a:t> </a:t>
+            </a:r>
+          </a:p>
+          <a:p>
+            <a:pPr lvl="2"/>
+            <a:r>
+              <a:rPr lang="pl-PL" dirty="0" err="1">
+                <a:solidFill>
+                  <a:schemeClr val="bg1"/>
+                </a:solidFill>
+              </a:rPr>
+              <a:t>Problems</a:t>
+            </a:r>
+            <a:r>
+              <a:rPr lang="pl-PL" dirty="0">
+                <a:solidFill>
+                  <a:schemeClr val="bg1"/>
+                </a:solidFill>
+              </a:rPr>
+              <a:t> </a:t>
+            </a:r>
+            <a:r>
+              <a:rPr lang="pl-PL" dirty="0" err="1">
+                <a:solidFill>
+                  <a:schemeClr val="bg1"/>
+                </a:solidFill>
+              </a:rPr>
+              <a:t>that</a:t>
+            </a:r>
+            <a:r>
+              <a:rPr lang="pl-PL" dirty="0">
+                <a:solidFill>
+                  <a:schemeClr val="bg1"/>
+                </a:solidFill>
+              </a:rPr>
+              <a:t> we </a:t>
+            </a:r>
+            <a:r>
+              <a:rPr lang="pl-PL" dirty="0" err="1">
+                <a:solidFill>
+                  <a:schemeClr val="bg1"/>
+                </a:solidFill>
+              </a:rPr>
+              <a:t>encoutred</a:t>
+            </a:r>
+            <a:r>
+              <a:rPr lang="pl-PL" dirty="0">
+                <a:solidFill>
+                  <a:schemeClr val="bg1"/>
+                </a:solidFill>
+              </a:rPr>
+              <a:t>: 1. </a:t>
+            </a:r>
+            <a:r>
+              <a:rPr lang="pl-PL" dirty="0" err="1">
+                <a:solidFill>
+                  <a:schemeClr val="bg1"/>
+                </a:solidFill>
+              </a:rPr>
+              <a:t>lack</a:t>
+            </a:r>
+            <a:r>
+              <a:rPr lang="pl-PL" dirty="0">
+                <a:solidFill>
+                  <a:schemeClr val="bg1"/>
+                </a:solidFill>
+              </a:rPr>
+              <a:t> of </a:t>
+            </a:r>
+            <a:r>
+              <a:rPr lang="pl-PL" dirty="0" err="1">
+                <a:solidFill>
+                  <a:schemeClr val="bg1"/>
+                </a:solidFill>
+              </a:rPr>
+              <a:t>reasources</a:t>
+            </a:r>
+            <a:r>
+              <a:rPr lang="pl-PL" dirty="0">
+                <a:solidFill>
+                  <a:schemeClr val="bg1"/>
+                </a:solidFill>
+              </a:rPr>
+              <a:t> – we </a:t>
+            </a:r>
+            <a:r>
+              <a:rPr lang="pl-PL" dirty="0" err="1">
+                <a:solidFill>
+                  <a:schemeClr val="bg1"/>
+                </a:solidFill>
+              </a:rPr>
+              <a:t>cannnot</a:t>
+            </a:r>
+            <a:r>
+              <a:rPr lang="pl-PL" dirty="0">
+                <a:solidFill>
+                  <a:schemeClr val="bg1"/>
+                </a:solidFill>
+              </a:rPr>
+              <a:t> </a:t>
+            </a:r>
+            <a:r>
+              <a:rPr lang="pl-PL" dirty="0" err="1">
+                <a:solidFill>
+                  <a:schemeClr val="bg1"/>
+                </a:solidFill>
+              </a:rPr>
+              <a:t>load</a:t>
+            </a:r>
+            <a:r>
+              <a:rPr lang="pl-PL" dirty="0">
+                <a:solidFill>
+                  <a:schemeClr val="bg1"/>
+                </a:solidFill>
+              </a:rPr>
+              <a:t> </a:t>
+            </a:r>
+            <a:r>
+              <a:rPr lang="pl-PL" dirty="0" err="1">
+                <a:solidFill>
+                  <a:schemeClr val="bg1"/>
+                </a:solidFill>
+              </a:rPr>
+              <a:t>whole</a:t>
+            </a:r>
+            <a:r>
+              <a:rPr lang="pl-PL" dirty="0">
+                <a:solidFill>
+                  <a:schemeClr val="bg1"/>
+                </a:solidFill>
+              </a:rPr>
+              <a:t> </a:t>
+            </a:r>
+            <a:r>
+              <a:rPr lang="pl-PL" dirty="0" err="1">
+                <a:solidFill>
+                  <a:schemeClr val="bg1"/>
+                </a:solidFill>
+              </a:rPr>
+              <a:t>dataset</a:t>
+            </a:r>
+            <a:r>
+              <a:rPr lang="pl-PL" dirty="0">
+                <a:solidFill>
+                  <a:schemeClr val="bg1"/>
+                </a:solidFill>
+              </a:rPr>
+              <a:t> on ram </a:t>
+            </a:r>
+            <a:r>
+              <a:rPr lang="pl-PL" dirty="0" err="1">
+                <a:solidFill>
+                  <a:schemeClr val="bg1"/>
+                </a:solidFill>
+              </a:rPr>
+              <a:t>memory</a:t>
+            </a:r>
+            <a:r>
+              <a:rPr lang="pl-PL" dirty="0">
+                <a:solidFill>
+                  <a:schemeClr val="bg1"/>
+                </a:solidFill>
+              </a:rPr>
+              <a:t> </a:t>
+            </a:r>
+            <a:br>
+              <a:rPr lang="pl-PL" dirty="0">
+                <a:solidFill>
+                  <a:schemeClr val="bg1"/>
+                </a:solidFill>
+              </a:rPr>
+            </a:br>
+            <a:r>
+              <a:rPr lang="pl-PL" dirty="0">
+                <a:solidFill>
+                  <a:schemeClr val="bg1"/>
+                </a:solidFill>
+              </a:rPr>
+              <a:t>2. </a:t>
+            </a:r>
+            <a:r>
+              <a:rPr lang="pl-PL" dirty="0" err="1">
+                <a:solidFill>
+                  <a:schemeClr val="bg1"/>
+                </a:solidFill>
+              </a:rPr>
+              <a:t>time</a:t>
+            </a:r>
+            <a:r>
+              <a:rPr lang="pl-PL" dirty="0">
+                <a:solidFill>
+                  <a:schemeClr val="bg1"/>
+                </a:solidFill>
+              </a:rPr>
+              <a:t> of </a:t>
+            </a:r>
+            <a:r>
+              <a:rPr lang="pl-PL" dirty="0" err="1">
+                <a:solidFill>
+                  <a:schemeClr val="bg1"/>
+                </a:solidFill>
+              </a:rPr>
+              <a:t>running</a:t>
+            </a:r>
+            <a:r>
+              <a:rPr lang="pl-PL" dirty="0">
+                <a:solidFill>
+                  <a:schemeClr val="bg1"/>
+                </a:solidFill>
+              </a:rPr>
+              <a:t> – </a:t>
+            </a:r>
+            <a:r>
+              <a:rPr lang="pl-PL" dirty="0" err="1">
+                <a:solidFill>
+                  <a:schemeClr val="bg1"/>
+                </a:solidFill>
+              </a:rPr>
+              <a:t>it</a:t>
+            </a:r>
+            <a:r>
+              <a:rPr lang="pl-PL" dirty="0">
+                <a:solidFill>
+                  <a:schemeClr val="bg1"/>
+                </a:solidFill>
+              </a:rPr>
+              <a:t> </a:t>
+            </a:r>
+            <a:r>
+              <a:rPr lang="pl-PL" dirty="0" err="1">
+                <a:solidFill>
+                  <a:schemeClr val="bg1"/>
+                </a:solidFill>
+              </a:rPr>
+              <a:t>takes</a:t>
+            </a:r>
+            <a:r>
+              <a:rPr lang="pl-PL" dirty="0">
+                <a:solidFill>
+                  <a:schemeClr val="bg1"/>
+                </a:solidFill>
+              </a:rPr>
+              <a:t> a lot to </a:t>
+            </a:r>
+            <a:r>
+              <a:rPr lang="pl-PL" dirty="0" err="1">
+                <a:solidFill>
+                  <a:schemeClr val="bg1"/>
+                </a:solidFill>
+              </a:rPr>
+              <a:t>train</a:t>
+            </a:r>
+            <a:r>
+              <a:rPr lang="pl-PL" dirty="0">
+                <a:solidFill>
+                  <a:schemeClr val="bg1"/>
+                </a:solidFill>
+              </a:rPr>
+              <a:t> for </a:t>
+            </a:r>
+            <a:r>
+              <a:rPr lang="pl-PL" dirty="0" err="1">
+                <a:solidFill>
+                  <a:schemeClr val="bg1"/>
+                </a:solidFill>
+              </a:rPr>
+              <a:t>example</a:t>
+            </a:r>
+            <a:r>
+              <a:rPr lang="pl-PL" dirty="0">
+                <a:solidFill>
+                  <a:schemeClr val="bg1"/>
+                </a:solidFill>
+              </a:rPr>
+              <a:t> </a:t>
+            </a:r>
+            <a:r>
+              <a:rPr lang="pl-PL" dirty="0" err="1">
+                <a:solidFill>
+                  <a:schemeClr val="bg1"/>
+                </a:solidFill>
+              </a:rPr>
+              <a:t>Random</a:t>
+            </a:r>
+            <a:r>
+              <a:rPr lang="pl-PL" dirty="0">
+                <a:solidFill>
+                  <a:schemeClr val="bg1"/>
+                </a:solidFill>
+              </a:rPr>
+              <a:t> </a:t>
+            </a:r>
+            <a:r>
+              <a:rPr lang="pl-PL" dirty="0" err="1">
+                <a:solidFill>
+                  <a:schemeClr val="bg1"/>
+                </a:solidFill>
+              </a:rPr>
+              <a:t>search</a:t>
+            </a:r>
+            <a:r>
+              <a:rPr lang="pl-PL" dirty="0">
+                <a:solidFill>
+                  <a:schemeClr val="bg1"/>
+                </a:solidFill>
+              </a:rPr>
+              <a:t> on GBRFC with 50k </a:t>
+            </a:r>
+            <a:r>
+              <a:rPr lang="pl-PL" dirty="0" err="1">
+                <a:solidFill>
+                  <a:schemeClr val="bg1"/>
+                </a:solidFill>
+              </a:rPr>
+              <a:t>lasted</a:t>
+            </a:r>
+            <a:r>
+              <a:rPr lang="pl-PL" dirty="0">
+                <a:solidFill>
+                  <a:schemeClr val="bg1"/>
+                </a:solidFill>
+              </a:rPr>
+              <a:t> </a:t>
+            </a:r>
+            <a:r>
+              <a:rPr lang="pl-PL" dirty="0" err="1">
+                <a:solidFill>
+                  <a:schemeClr val="bg1"/>
+                </a:solidFill>
+              </a:rPr>
+              <a:t>almoust</a:t>
+            </a:r>
+            <a:r>
+              <a:rPr lang="pl-PL" dirty="0">
+                <a:solidFill>
+                  <a:schemeClr val="bg1"/>
+                </a:solidFill>
+              </a:rPr>
+              <a:t> 2 </a:t>
+            </a:r>
+            <a:r>
+              <a:rPr lang="pl-PL" dirty="0" err="1">
+                <a:solidFill>
+                  <a:schemeClr val="bg1"/>
+                </a:solidFill>
+              </a:rPr>
+              <a:t>hours</a:t>
+            </a:r>
+            <a:endParaRPr lang="pl-PL" dirty="0">
+              <a:solidFill>
+                <a:schemeClr val="bg1"/>
+              </a:solidFill>
+            </a:endParaRPr>
+          </a:p>
+        </p:txBody>
+      </p:sp>
+    </p:spTree>
+    <p:extLst>
+      <p:ext uri="{BB962C8B-B14F-4D97-AF65-F5344CB8AC3E}">
+        <p14:creationId xmlns:p14="http://schemas.microsoft.com/office/powerpoint/2010/main" val="2122733685"/>
       </p:ext>
     </p:extLst>
   </p:cSld>
